--- a/présentation/Projet Ballon Météo.pptx
+++ b/présentation/Projet Ballon Météo.pptx
@@ -303,7 +303,7 @@
           <a:p>
             <a:fld id="{4AAD347D-5ACD-4C99-B74B-A9C85AD731AF}" type="datetimeFigureOut">
               <a:rPr lang="en-US" dirty="0"/>
-              <a:t>4/6/19</a:t>
+              <a:t>4/7/19</a:t>
             </a:fld>
             <a:endParaRPr lang="en-US" dirty="0"/>
           </a:p>
@@ -573,7 +573,7 @@
           <a:p>
             <a:fld id="{4509A250-FF31-4206-8172-F9D3106AACB1}" type="datetimeFigureOut">
               <a:rPr lang="en-US" dirty="0"/>
-              <a:t>4/6/19</a:t>
+              <a:t>4/7/19</a:t>
             </a:fld>
             <a:endParaRPr lang="en-US" dirty="0"/>
           </a:p>
@@ -762,7 +762,7 @@
           <a:p>
             <a:fld id="{4509A250-FF31-4206-8172-F9D3106AACB1}" type="datetimeFigureOut">
               <a:rPr lang="en-US" dirty="0"/>
-              <a:t>4/6/19</a:t>
+              <a:t>4/7/19</a:t>
             </a:fld>
             <a:endParaRPr lang="en-US" dirty="0"/>
           </a:p>
@@ -1030,7 +1030,7 @@
           <a:p>
             <a:fld id="{4509A250-FF31-4206-8172-F9D3106AACB1}" type="datetimeFigureOut">
               <a:rPr lang="en-US" dirty="0"/>
-              <a:t>4/6/19</a:t>
+              <a:t>4/7/19</a:t>
             </a:fld>
             <a:endParaRPr lang="en-US" dirty="0"/>
           </a:p>
@@ -1366,7 +1366,7 @@
           <a:p>
             <a:fld id="{4509A250-FF31-4206-8172-F9D3106AACB1}" type="datetimeFigureOut">
               <a:rPr lang="en-US" dirty="0"/>
-              <a:t>4/6/19</a:t>
+              <a:t>4/7/19</a:t>
             </a:fld>
             <a:endParaRPr lang="en-US" dirty="0"/>
           </a:p>
@@ -1984,7 +1984,7 @@
           <a:p>
             <a:fld id="{4509A250-FF31-4206-8172-F9D3106AACB1}" type="datetimeFigureOut">
               <a:rPr lang="en-US" dirty="0"/>
-              <a:t>4/6/19</a:t>
+              <a:t>4/7/19</a:t>
             </a:fld>
             <a:endParaRPr lang="en-US" dirty="0"/>
           </a:p>
@@ -2839,7 +2839,7 @@
           <a:p>
             <a:fld id="{4509A250-FF31-4206-8172-F9D3106AACB1}" type="datetimeFigureOut">
               <a:rPr lang="en-US" dirty="0"/>
-              <a:t>4/6/19</a:t>
+              <a:t>4/7/19</a:t>
             </a:fld>
             <a:endParaRPr lang="en-US" dirty="0"/>
           </a:p>
@@ -3004,7 +3004,7 @@
           <a:p>
             <a:fld id="{4509A250-FF31-4206-8172-F9D3106AACB1}" type="datetimeFigureOut">
               <a:rPr lang="en-US" dirty="0"/>
-              <a:t>4/6/19</a:t>
+              <a:t>4/7/19</a:t>
             </a:fld>
             <a:endParaRPr lang="en-US" dirty="0"/>
           </a:p>
@@ -3179,7 +3179,7 @@
           <a:p>
             <a:fld id="{4509A250-FF31-4206-8172-F9D3106AACB1}" type="datetimeFigureOut">
               <a:rPr lang="en-US" dirty="0"/>
-              <a:t>4/6/19</a:t>
+              <a:t>4/7/19</a:t>
             </a:fld>
             <a:endParaRPr lang="en-US" dirty="0"/>
           </a:p>
@@ -3344,7 +3344,7 @@
           <a:p>
             <a:fld id="{4509A250-FF31-4206-8172-F9D3106AACB1}" type="datetimeFigureOut">
               <a:rPr lang="en-US" dirty="0"/>
-              <a:t>4/6/19</a:t>
+              <a:t>4/7/19</a:t>
             </a:fld>
             <a:endParaRPr lang="en-US" dirty="0"/>
           </a:p>
@@ -3586,7 +3586,7 @@
           <a:p>
             <a:fld id="{9796027F-7875-4030-9381-8BD8C4F21935}" type="datetimeFigureOut">
               <a:rPr lang="en-US" dirty="0"/>
-              <a:t>4/6/19</a:t>
+              <a:t>4/7/19</a:t>
             </a:fld>
             <a:endParaRPr lang="en-US" dirty="0"/>
           </a:p>
@@ -3873,7 +3873,7 @@
           <a:p>
             <a:fld id="{9796027F-7875-4030-9381-8BD8C4F21935}" type="datetimeFigureOut">
               <a:rPr lang="en-US" dirty="0"/>
-              <a:t>4/6/19</a:t>
+              <a:t>4/7/19</a:t>
             </a:fld>
             <a:endParaRPr lang="en-US" dirty="0"/>
           </a:p>
@@ -4312,7 +4312,7 @@
           <a:p>
             <a:fld id="{9796027F-7875-4030-9381-8BD8C4F21935}" type="datetimeFigureOut">
               <a:rPr lang="en-US" dirty="0"/>
-              <a:t>4/6/19</a:t>
+              <a:t>4/7/19</a:t>
             </a:fld>
             <a:endParaRPr lang="en-US" dirty="0"/>
           </a:p>
@@ -4425,7 +4425,7 @@
           <a:p>
             <a:fld id="{4509A250-FF31-4206-8172-F9D3106AACB1}" type="datetimeFigureOut">
               <a:rPr lang="en-US" dirty="0"/>
-              <a:t>4/6/19</a:t>
+              <a:t>4/7/19</a:t>
             </a:fld>
             <a:endParaRPr lang="en-US" dirty="0"/>
           </a:p>
@@ -4515,7 +4515,7 @@
           <a:p>
             <a:fld id="{4509A250-FF31-4206-8172-F9D3106AACB1}" type="datetimeFigureOut">
               <a:rPr lang="en-US" dirty="0"/>
-              <a:t>4/6/19</a:t>
+              <a:t>4/7/19</a:t>
             </a:fld>
             <a:endParaRPr lang="en-US" dirty="0"/>
           </a:p>
@@ -4789,7 +4789,7 @@
           <a:p>
             <a:fld id="{4509A250-FF31-4206-8172-F9D3106AACB1}" type="datetimeFigureOut">
               <a:rPr lang="en-US" dirty="0"/>
-              <a:t>4/6/19</a:t>
+              <a:t>4/7/19</a:t>
             </a:fld>
             <a:endParaRPr lang="en-US" dirty="0"/>
           </a:p>
@@ -5059,7 +5059,7 @@
           <a:p>
             <a:fld id="{4509A250-FF31-4206-8172-F9D3106AACB1}" type="datetimeFigureOut">
               <a:rPr lang="en-US" dirty="0"/>
-              <a:t>4/6/19</a:t>
+              <a:t>4/7/19</a:t>
             </a:fld>
             <a:endParaRPr lang="en-US" dirty="0"/>
           </a:p>
@@ -5483,7 +5483,7 @@
           <a:p>
             <a:fld id="{4AAD347D-5ACD-4C99-B74B-A9C85AD731AF}" type="datetimeFigureOut">
               <a:rPr lang="en-US" dirty="0"/>
-              <a:t>4/6/19</a:t>
+              <a:t>4/7/19</a:t>
             </a:fld>
             <a:endParaRPr lang="en-US" dirty="0"/>
           </a:p>
@@ -6012,7 +6012,7 @@
           <p:cNvPr id="2" name="Titre 1">
             <a:extLst>
               <a:ext uri="{FF2B5EF4-FFF2-40B4-BE49-F238E27FC236}">
-                <a16:creationId xmlns:a16="http://schemas.microsoft.com/office/drawing/2014/main" xmlns="" id="{5C272326-A48E-4182-B362-6ED93F262892}"/>
+                <a16:creationId xmlns="" xmlns:a16="http://schemas.microsoft.com/office/drawing/2014/main" id="{5C272326-A48E-4182-B362-6ED93F262892}"/>
               </a:ext>
             </a:extLst>
           </p:cNvPr>
@@ -6040,7 +6040,7 @@
           <p:cNvPr id="3" name="Sous-titre 2">
             <a:extLst>
               <a:ext uri="{FF2B5EF4-FFF2-40B4-BE49-F238E27FC236}">
-                <a16:creationId xmlns:a16="http://schemas.microsoft.com/office/drawing/2014/main" xmlns="" id="{200CBDE5-1F6D-4C56-89BB-B9BF5BFCAAC1}"/>
+                <a16:creationId xmlns="" xmlns:a16="http://schemas.microsoft.com/office/drawing/2014/main" id="{200CBDE5-1F6D-4C56-89BB-B9BF5BFCAAC1}"/>
               </a:ext>
             </a:extLst>
           </p:cNvPr>
@@ -6103,7 +6103,7 @@
           <p:cNvPr id="2" name="Titre 1">
             <a:extLst>
               <a:ext uri="{FF2B5EF4-FFF2-40B4-BE49-F238E27FC236}">
-                <a16:creationId xmlns:a16="http://schemas.microsoft.com/office/drawing/2014/main" xmlns="" id="{86BB3AA1-35AA-4C71-8069-5FAB12703749}"/>
+                <a16:creationId xmlns="" xmlns:a16="http://schemas.microsoft.com/office/drawing/2014/main" id="{86BB3AA1-35AA-4C71-8069-5FAB12703749}"/>
               </a:ext>
             </a:extLst>
           </p:cNvPr>
@@ -6132,7 +6132,7 @@
           <p:cNvPr id="3" name="Espace réservé du contenu 2">
             <a:extLst>
               <a:ext uri="{FF2B5EF4-FFF2-40B4-BE49-F238E27FC236}">
-                <a16:creationId xmlns:a16="http://schemas.microsoft.com/office/drawing/2014/main" xmlns="" id="{09E46633-193E-494C-9CC9-34DD36DDD2BB}"/>
+                <a16:creationId xmlns="" xmlns:a16="http://schemas.microsoft.com/office/drawing/2014/main" id="{09E46633-193E-494C-9CC9-34DD36DDD2BB}"/>
               </a:ext>
             </a:extLst>
           </p:cNvPr>
@@ -6233,7 +6233,7 @@
           <p:cNvPr id="2" name="Titre 1">
             <a:extLst>
               <a:ext uri="{FF2B5EF4-FFF2-40B4-BE49-F238E27FC236}">
-                <a16:creationId xmlns:a16="http://schemas.microsoft.com/office/drawing/2014/main" xmlns="" id="{3CEDDC75-FA01-4670-85DD-0D9360DEDF39}"/>
+                <a16:creationId xmlns="" xmlns:a16="http://schemas.microsoft.com/office/drawing/2014/main" id="{3CEDDC75-FA01-4670-85DD-0D9360DEDF39}"/>
               </a:ext>
             </a:extLst>
           </p:cNvPr>
@@ -6261,7 +6261,7 @@
           <p:cNvPr id="3" name="Espace réservé du contenu 2">
             <a:extLst>
               <a:ext uri="{FF2B5EF4-FFF2-40B4-BE49-F238E27FC236}">
-                <a16:creationId xmlns:a16="http://schemas.microsoft.com/office/drawing/2014/main" xmlns="" id="{76EBCE99-093B-49B6-9F5A-9EE9E4349739}"/>
+                <a16:creationId xmlns="" xmlns:a16="http://schemas.microsoft.com/office/drawing/2014/main" id="{76EBCE99-093B-49B6-9F5A-9EE9E4349739}"/>
               </a:ext>
             </a:extLst>
           </p:cNvPr>
@@ -6285,6 +6285,18 @@
             <a:pPr marL="0" indent="0">
               <a:buNone/>
             </a:pPr>
+            <a:r>
+              <a:rPr lang="fr-FR" dirty="0" smtClean="0"/>
+              <a:t>Le projet consiste à lancer un un ballon qui embarquera un dispositif permettant de récupérer des données météorologique et les transmettre via le protocole </a:t>
+            </a:r>
+            <a:r>
+              <a:rPr lang="fr-FR" dirty="0" err="1" smtClean="0"/>
+              <a:t>LoRaWAN</a:t>
+            </a:r>
+            <a:r>
+              <a:rPr lang="fr-FR" dirty="0" smtClean="0"/>
+              <a:t> à un serveur d’application  </a:t>
+            </a:r>
             <a:endParaRPr lang="fr-FR" dirty="0"/>
           </a:p>
         </p:txBody>
@@ -6324,7 +6336,7 @@
           <p:cNvPr id="2" name="Titre 1">
             <a:extLst>
               <a:ext uri="{FF2B5EF4-FFF2-40B4-BE49-F238E27FC236}">
-                <a16:creationId xmlns:a16="http://schemas.microsoft.com/office/drawing/2014/main" xmlns="" id="{DFA0330B-40DD-4810-AE1C-E02D89006FC2}"/>
+                <a16:creationId xmlns="" xmlns:a16="http://schemas.microsoft.com/office/drawing/2014/main" id="{DFA0330B-40DD-4810-AE1C-E02D89006FC2}"/>
               </a:ext>
             </a:extLst>
           </p:cNvPr>
@@ -6352,7 +6364,7 @@
           <p:cNvPr id="3" name="Espace réservé du contenu 2">
             <a:extLst>
               <a:ext uri="{FF2B5EF4-FFF2-40B4-BE49-F238E27FC236}">
-                <a16:creationId xmlns:a16="http://schemas.microsoft.com/office/drawing/2014/main" xmlns="" id="{A7C2B056-D511-4F3A-8BE4-B39B68D5BB20}"/>
+                <a16:creationId xmlns="" xmlns:a16="http://schemas.microsoft.com/office/drawing/2014/main" id="{A7C2B056-D511-4F3A-8BE4-B39B68D5BB20}"/>
               </a:ext>
             </a:extLst>
           </p:cNvPr>
@@ -6368,7 +6380,25 @@
           <a:bodyPr/>
           <a:lstStyle/>
           <a:p>
-            <a:endParaRPr lang="fr-FR"/>
+            <a:r>
+              <a:rPr lang="fr-FR" dirty="0" smtClean="0"/>
+              <a:t>Nous essayons de concevoir un système embarqué suffisamment Léger pour être maintenue dans les airs par un ballon d’</a:t>
+            </a:r>
+            <a:r>
+              <a:rPr lang="fr-FR" dirty="0" err="1" smtClean="0"/>
+              <a:t>helium</a:t>
+            </a:r>
+            <a:r>
+              <a:rPr lang="fr-FR" dirty="0" smtClean="0"/>
+              <a:t>,</a:t>
+            </a:r>
+          </a:p>
+          <a:p>
+            <a:r>
+              <a:rPr lang="fr-FR" dirty="0" smtClean="0"/>
+              <a:t>le système devra gérer sa consommation d’énergie et s’alimenter via un panneau solaire</a:t>
+            </a:r>
+            <a:endParaRPr lang="fr-FR" dirty="0"/>
           </a:p>
         </p:txBody>
       </p:sp>
@@ -6407,7 +6437,7 @@
           <p:cNvPr id="2" name="Titre 1">
             <a:extLst>
               <a:ext uri="{FF2B5EF4-FFF2-40B4-BE49-F238E27FC236}">
-                <a16:creationId xmlns:a16="http://schemas.microsoft.com/office/drawing/2014/main" xmlns="" id="{5AE92176-05D7-4878-967B-433628B2F204}"/>
+                <a16:creationId xmlns="" xmlns:a16="http://schemas.microsoft.com/office/drawing/2014/main" id="{5AE92176-05D7-4878-967B-433628B2F204}"/>
               </a:ext>
             </a:extLst>
           </p:cNvPr>
@@ -6435,7 +6465,7 @@
           <p:cNvPr id="3" name="Espace réservé du contenu 2">
             <a:extLst>
               <a:ext uri="{FF2B5EF4-FFF2-40B4-BE49-F238E27FC236}">
-                <a16:creationId xmlns:a16="http://schemas.microsoft.com/office/drawing/2014/main" xmlns="" id="{1CDDDADD-7C49-4D30-AB95-B37327C2CC7F}"/>
+                <a16:creationId xmlns="" xmlns:a16="http://schemas.microsoft.com/office/drawing/2014/main" id="{1CDDDADD-7C49-4D30-AB95-B37327C2CC7F}"/>
               </a:ext>
             </a:extLst>
           </p:cNvPr>
@@ -6490,7 +6520,7 @@
           <p:cNvPr id="2" name="Titre 1">
             <a:extLst>
               <a:ext uri="{FF2B5EF4-FFF2-40B4-BE49-F238E27FC236}">
-                <a16:creationId xmlns:a16="http://schemas.microsoft.com/office/drawing/2014/main" xmlns="" id="{ED8DFBD5-2E68-4F5F-B291-4D6060674A26}"/>
+                <a16:creationId xmlns="" xmlns:a16="http://schemas.microsoft.com/office/drawing/2014/main" id="{ED8DFBD5-2E68-4F5F-B291-4D6060674A26}"/>
               </a:ext>
             </a:extLst>
           </p:cNvPr>
@@ -6518,7 +6548,7 @@
           <p:cNvPr id="3" name="Espace réservé du contenu 2">
             <a:extLst>
               <a:ext uri="{FF2B5EF4-FFF2-40B4-BE49-F238E27FC236}">
-                <a16:creationId xmlns:a16="http://schemas.microsoft.com/office/drawing/2014/main" xmlns="" id="{102B0519-4552-451C-88E0-32443A713B1C}"/>
+                <a16:creationId xmlns="" xmlns:a16="http://schemas.microsoft.com/office/drawing/2014/main" id="{102B0519-4552-451C-88E0-32443A713B1C}"/>
               </a:ext>
             </a:extLst>
           </p:cNvPr>

--- a/présentation/Projet Ballon Météo.pptx
+++ b/présentation/Projet Ballon Météo.pptx
@@ -6012,7 +6012,7 @@
           <p:cNvPr id="2" name="Titre 1">
             <a:extLst>
               <a:ext uri="{FF2B5EF4-FFF2-40B4-BE49-F238E27FC236}">
-                <a16:creationId xmlns="" xmlns:a16="http://schemas.microsoft.com/office/drawing/2014/main" id="{5C272326-A48E-4182-B362-6ED93F262892}"/>
+                <a16:creationId xmlns:a16="http://schemas.microsoft.com/office/drawing/2014/main" xmlns="" id="{5C272326-A48E-4182-B362-6ED93F262892}"/>
               </a:ext>
             </a:extLst>
           </p:cNvPr>
@@ -6040,7 +6040,7 @@
           <p:cNvPr id="3" name="Sous-titre 2">
             <a:extLst>
               <a:ext uri="{FF2B5EF4-FFF2-40B4-BE49-F238E27FC236}">
-                <a16:creationId xmlns="" xmlns:a16="http://schemas.microsoft.com/office/drawing/2014/main" id="{200CBDE5-1F6D-4C56-89BB-B9BF5BFCAAC1}"/>
+                <a16:creationId xmlns:a16="http://schemas.microsoft.com/office/drawing/2014/main" xmlns="" id="{200CBDE5-1F6D-4C56-89BB-B9BF5BFCAAC1}"/>
               </a:ext>
             </a:extLst>
           </p:cNvPr>
@@ -6103,7 +6103,7 @@
           <p:cNvPr id="2" name="Titre 1">
             <a:extLst>
               <a:ext uri="{FF2B5EF4-FFF2-40B4-BE49-F238E27FC236}">
-                <a16:creationId xmlns="" xmlns:a16="http://schemas.microsoft.com/office/drawing/2014/main" id="{86BB3AA1-35AA-4C71-8069-5FAB12703749}"/>
+                <a16:creationId xmlns:a16="http://schemas.microsoft.com/office/drawing/2014/main" xmlns="" id="{86BB3AA1-35AA-4C71-8069-5FAB12703749}"/>
               </a:ext>
             </a:extLst>
           </p:cNvPr>
@@ -6132,7 +6132,7 @@
           <p:cNvPr id="3" name="Espace réservé du contenu 2">
             <a:extLst>
               <a:ext uri="{FF2B5EF4-FFF2-40B4-BE49-F238E27FC236}">
-                <a16:creationId xmlns="" xmlns:a16="http://schemas.microsoft.com/office/drawing/2014/main" id="{09E46633-193E-494C-9CC9-34DD36DDD2BB}"/>
+                <a16:creationId xmlns:a16="http://schemas.microsoft.com/office/drawing/2014/main" xmlns="" id="{09E46633-193E-494C-9CC9-34DD36DDD2BB}"/>
               </a:ext>
             </a:extLst>
           </p:cNvPr>
@@ -6233,7 +6233,7 @@
           <p:cNvPr id="2" name="Titre 1">
             <a:extLst>
               <a:ext uri="{FF2B5EF4-FFF2-40B4-BE49-F238E27FC236}">
-                <a16:creationId xmlns="" xmlns:a16="http://schemas.microsoft.com/office/drawing/2014/main" id="{3CEDDC75-FA01-4670-85DD-0D9360DEDF39}"/>
+                <a16:creationId xmlns:a16="http://schemas.microsoft.com/office/drawing/2014/main" xmlns="" id="{3CEDDC75-FA01-4670-85DD-0D9360DEDF39}"/>
               </a:ext>
             </a:extLst>
           </p:cNvPr>
@@ -6261,7 +6261,7 @@
           <p:cNvPr id="3" name="Espace réservé du contenu 2">
             <a:extLst>
               <a:ext uri="{FF2B5EF4-FFF2-40B4-BE49-F238E27FC236}">
-                <a16:creationId xmlns="" xmlns:a16="http://schemas.microsoft.com/office/drawing/2014/main" id="{76EBCE99-093B-49B6-9F5A-9EE9E4349739}"/>
+                <a16:creationId xmlns:a16="http://schemas.microsoft.com/office/drawing/2014/main" xmlns="" id="{76EBCE99-093B-49B6-9F5A-9EE9E4349739}"/>
               </a:ext>
             </a:extLst>
           </p:cNvPr>
@@ -6336,7 +6336,7 @@
           <p:cNvPr id="2" name="Titre 1">
             <a:extLst>
               <a:ext uri="{FF2B5EF4-FFF2-40B4-BE49-F238E27FC236}">
-                <a16:creationId xmlns="" xmlns:a16="http://schemas.microsoft.com/office/drawing/2014/main" id="{DFA0330B-40DD-4810-AE1C-E02D89006FC2}"/>
+                <a16:creationId xmlns:a16="http://schemas.microsoft.com/office/drawing/2014/main" xmlns="" id="{DFA0330B-40DD-4810-AE1C-E02D89006FC2}"/>
               </a:ext>
             </a:extLst>
           </p:cNvPr>
@@ -6364,7 +6364,7 @@
           <p:cNvPr id="3" name="Espace réservé du contenu 2">
             <a:extLst>
               <a:ext uri="{FF2B5EF4-FFF2-40B4-BE49-F238E27FC236}">
-                <a16:creationId xmlns="" xmlns:a16="http://schemas.microsoft.com/office/drawing/2014/main" id="{A7C2B056-D511-4F3A-8BE4-B39B68D5BB20}"/>
+                <a16:creationId xmlns:a16="http://schemas.microsoft.com/office/drawing/2014/main" xmlns="" id="{A7C2B056-D511-4F3A-8BE4-B39B68D5BB20}"/>
               </a:ext>
             </a:extLst>
           </p:cNvPr>
@@ -6382,11 +6382,11 @@
           <a:p>
             <a:r>
               <a:rPr lang="fr-FR" dirty="0" smtClean="0"/>
-              <a:t>Nous essayons de concevoir un système embarqué suffisamment Léger pour être maintenue dans les airs par un ballon d’</a:t>
-            </a:r>
-            <a:r>
-              <a:rPr lang="fr-FR" dirty="0" err="1" smtClean="0"/>
-              <a:t>helium</a:t>
+              <a:t>Nous essayons de concevoir un système embarqué suffisamment Léger pour être maintenue dans les airs par un ballon </a:t>
+            </a:r>
+            <a:r>
+              <a:rPr lang="fr-FR" dirty="0" smtClean="0"/>
+              <a:t>d’hélium</a:t>
             </a:r>
             <a:r>
               <a:rPr lang="fr-FR" dirty="0" smtClean="0"/>
@@ -6437,7 +6437,7 @@
           <p:cNvPr id="2" name="Titre 1">
             <a:extLst>
               <a:ext uri="{FF2B5EF4-FFF2-40B4-BE49-F238E27FC236}">
-                <a16:creationId xmlns="" xmlns:a16="http://schemas.microsoft.com/office/drawing/2014/main" id="{5AE92176-05D7-4878-967B-433628B2F204}"/>
+                <a16:creationId xmlns:a16="http://schemas.microsoft.com/office/drawing/2014/main" xmlns="" id="{5AE92176-05D7-4878-967B-433628B2F204}"/>
               </a:ext>
             </a:extLst>
           </p:cNvPr>
@@ -6465,7 +6465,7 @@
           <p:cNvPr id="3" name="Espace réservé du contenu 2">
             <a:extLst>
               <a:ext uri="{FF2B5EF4-FFF2-40B4-BE49-F238E27FC236}">
-                <a16:creationId xmlns="" xmlns:a16="http://schemas.microsoft.com/office/drawing/2014/main" id="{1CDDDADD-7C49-4D30-AB95-B37327C2CC7F}"/>
+                <a16:creationId xmlns:a16="http://schemas.microsoft.com/office/drawing/2014/main" xmlns="" id="{1CDDDADD-7C49-4D30-AB95-B37327C2CC7F}"/>
               </a:ext>
             </a:extLst>
           </p:cNvPr>
@@ -6520,7 +6520,7 @@
           <p:cNvPr id="2" name="Titre 1">
             <a:extLst>
               <a:ext uri="{FF2B5EF4-FFF2-40B4-BE49-F238E27FC236}">
-                <a16:creationId xmlns="" xmlns:a16="http://schemas.microsoft.com/office/drawing/2014/main" id="{ED8DFBD5-2E68-4F5F-B291-4D6060674A26}"/>
+                <a16:creationId xmlns:a16="http://schemas.microsoft.com/office/drawing/2014/main" xmlns="" id="{ED8DFBD5-2E68-4F5F-B291-4D6060674A26}"/>
               </a:ext>
             </a:extLst>
           </p:cNvPr>
@@ -6548,7 +6548,7 @@
           <p:cNvPr id="3" name="Espace réservé du contenu 2">
             <a:extLst>
               <a:ext uri="{FF2B5EF4-FFF2-40B4-BE49-F238E27FC236}">
-                <a16:creationId xmlns="" xmlns:a16="http://schemas.microsoft.com/office/drawing/2014/main" id="{102B0519-4552-451C-88E0-32443A713B1C}"/>
+                <a16:creationId xmlns:a16="http://schemas.microsoft.com/office/drawing/2014/main" xmlns="" id="{102B0519-4552-451C-88E0-32443A713B1C}"/>
               </a:ext>
             </a:extLst>
           </p:cNvPr>
